--- a/Final Report/block diagram LMDKF.pptx
+++ b/Final Report/block diagram LMDKF.pptx
@@ -245,7 +245,7 @@
               <a:rPr lang="en-GB" smtClean="0"/>
               <a:t>11/06/2017</a:t>
             </a:fld>
-            <a:endParaRPr lang="en-GB"/>
+            <a:endParaRPr lang="en-GB" dirty="0"/>
           </a:p>
         </p:txBody>
       </p:sp>
@@ -264,7 +264,7 @@
           <a:bodyPr/>
           <a:lstStyle/>
           <a:p>
-            <a:endParaRPr lang="en-GB"/>
+            <a:endParaRPr lang="en-GB" dirty="0"/>
           </a:p>
         </p:txBody>
       </p:sp>
@@ -287,7 +287,7 @@
               <a:rPr lang="en-GB" smtClean="0"/>
               <a:t>‹#›</a:t>
             </a:fld>
-            <a:endParaRPr lang="en-GB"/>
+            <a:endParaRPr lang="en-GB" dirty="0"/>
           </a:p>
         </p:txBody>
       </p:sp>
@@ -415,7 +415,7 @@
               <a:rPr lang="en-GB" smtClean="0"/>
               <a:t>11/06/2017</a:t>
             </a:fld>
-            <a:endParaRPr lang="en-GB"/>
+            <a:endParaRPr lang="en-GB" dirty="0"/>
           </a:p>
         </p:txBody>
       </p:sp>
@@ -434,7 +434,7 @@
           <a:bodyPr/>
           <a:lstStyle/>
           <a:p>
-            <a:endParaRPr lang="en-GB"/>
+            <a:endParaRPr lang="en-GB" dirty="0"/>
           </a:p>
         </p:txBody>
       </p:sp>
@@ -457,7 +457,7 @@
               <a:rPr lang="en-GB" smtClean="0"/>
               <a:t>‹#›</a:t>
             </a:fld>
-            <a:endParaRPr lang="en-GB"/>
+            <a:endParaRPr lang="en-GB" dirty="0"/>
           </a:p>
         </p:txBody>
       </p:sp>
@@ -595,7 +595,7 @@
               <a:rPr lang="en-GB" smtClean="0"/>
               <a:t>11/06/2017</a:t>
             </a:fld>
-            <a:endParaRPr lang="en-GB"/>
+            <a:endParaRPr lang="en-GB" dirty="0"/>
           </a:p>
         </p:txBody>
       </p:sp>
@@ -614,7 +614,7 @@
           <a:bodyPr/>
           <a:lstStyle/>
           <a:p>
-            <a:endParaRPr lang="en-GB"/>
+            <a:endParaRPr lang="en-GB" dirty="0"/>
           </a:p>
         </p:txBody>
       </p:sp>
@@ -637,7 +637,7 @@
               <a:rPr lang="en-GB" smtClean="0"/>
               <a:t>‹#›</a:t>
             </a:fld>
-            <a:endParaRPr lang="en-GB"/>
+            <a:endParaRPr lang="en-GB" dirty="0"/>
           </a:p>
         </p:txBody>
       </p:sp>
@@ -765,7 +765,7 @@
               <a:rPr lang="en-GB" smtClean="0"/>
               <a:t>11/06/2017</a:t>
             </a:fld>
-            <a:endParaRPr lang="en-GB"/>
+            <a:endParaRPr lang="en-GB" dirty="0"/>
           </a:p>
         </p:txBody>
       </p:sp>
@@ -784,7 +784,7 @@
           <a:bodyPr/>
           <a:lstStyle/>
           <a:p>
-            <a:endParaRPr lang="en-GB"/>
+            <a:endParaRPr lang="en-GB" dirty="0"/>
           </a:p>
         </p:txBody>
       </p:sp>
@@ -807,7 +807,7 @@
               <a:rPr lang="en-GB" smtClean="0"/>
               <a:t>‹#›</a:t>
             </a:fld>
-            <a:endParaRPr lang="en-GB"/>
+            <a:endParaRPr lang="en-GB" dirty="0"/>
           </a:p>
         </p:txBody>
       </p:sp>
@@ -1011,7 +1011,7 @@
               <a:rPr lang="en-GB" smtClean="0"/>
               <a:t>11/06/2017</a:t>
             </a:fld>
-            <a:endParaRPr lang="en-GB"/>
+            <a:endParaRPr lang="en-GB" dirty="0"/>
           </a:p>
         </p:txBody>
       </p:sp>
@@ -1030,7 +1030,7 @@
           <a:bodyPr/>
           <a:lstStyle/>
           <a:p>
-            <a:endParaRPr lang="en-GB"/>
+            <a:endParaRPr lang="en-GB" dirty="0"/>
           </a:p>
         </p:txBody>
       </p:sp>
@@ -1053,7 +1053,7 @@
               <a:rPr lang="en-GB" smtClean="0"/>
               <a:t>‹#›</a:t>
             </a:fld>
-            <a:endParaRPr lang="en-GB"/>
+            <a:endParaRPr lang="en-GB" dirty="0"/>
           </a:p>
         </p:txBody>
       </p:sp>
@@ -1243,7 +1243,7 @@
               <a:rPr lang="en-GB" smtClean="0"/>
               <a:t>11/06/2017</a:t>
             </a:fld>
-            <a:endParaRPr lang="en-GB"/>
+            <a:endParaRPr lang="en-GB" dirty="0"/>
           </a:p>
         </p:txBody>
       </p:sp>
@@ -1262,7 +1262,7 @@
           <a:bodyPr/>
           <a:lstStyle/>
           <a:p>
-            <a:endParaRPr lang="en-GB"/>
+            <a:endParaRPr lang="en-GB" dirty="0"/>
           </a:p>
         </p:txBody>
       </p:sp>
@@ -1285,7 +1285,7 @@
               <a:rPr lang="en-GB" smtClean="0"/>
               <a:t>‹#›</a:t>
             </a:fld>
-            <a:endParaRPr lang="en-GB"/>
+            <a:endParaRPr lang="en-GB" dirty="0"/>
           </a:p>
         </p:txBody>
       </p:sp>
@@ -1610,7 +1610,7 @@
               <a:rPr lang="en-GB" smtClean="0"/>
               <a:t>11/06/2017</a:t>
             </a:fld>
-            <a:endParaRPr lang="en-GB"/>
+            <a:endParaRPr lang="en-GB" dirty="0"/>
           </a:p>
         </p:txBody>
       </p:sp>
@@ -1629,7 +1629,7 @@
           <a:bodyPr/>
           <a:lstStyle/>
           <a:p>
-            <a:endParaRPr lang="en-GB"/>
+            <a:endParaRPr lang="en-GB" dirty="0"/>
           </a:p>
         </p:txBody>
       </p:sp>
@@ -1652,7 +1652,7 @@
               <a:rPr lang="en-GB" smtClean="0"/>
               <a:t>‹#›</a:t>
             </a:fld>
-            <a:endParaRPr lang="en-GB"/>
+            <a:endParaRPr lang="en-GB" dirty="0"/>
           </a:p>
         </p:txBody>
       </p:sp>
@@ -1728,7 +1728,7 @@
               <a:rPr lang="en-GB" smtClean="0"/>
               <a:t>11/06/2017</a:t>
             </a:fld>
-            <a:endParaRPr lang="en-GB"/>
+            <a:endParaRPr lang="en-GB" dirty="0"/>
           </a:p>
         </p:txBody>
       </p:sp>
@@ -1747,7 +1747,7 @@
           <a:bodyPr/>
           <a:lstStyle/>
           <a:p>
-            <a:endParaRPr lang="en-GB"/>
+            <a:endParaRPr lang="en-GB" dirty="0"/>
           </a:p>
         </p:txBody>
       </p:sp>
@@ -1770,7 +1770,7 @@
               <a:rPr lang="en-GB" smtClean="0"/>
               <a:t>‹#›</a:t>
             </a:fld>
-            <a:endParaRPr lang="en-GB"/>
+            <a:endParaRPr lang="en-GB" dirty="0"/>
           </a:p>
         </p:txBody>
       </p:sp>
@@ -1823,7 +1823,7 @@
               <a:rPr lang="en-GB" smtClean="0"/>
               <a:t>11/06/2017</a:t>
             </a:fld>
-            <a:endParaRPr lang="en-GB"/>
+            <a:endParaRPr lang="en-GB" dirty="0"/>
           </a:p>
         </p:txBody>
       </p:sp>
@@ -1842,7 +1842,7 @@
           <a:bodyPr/>
           <a:lstStyle/>
           <a:p>
-            <a:endParaRPr lang="en-GB"/>
+            <a:endParaRPr lang="en-GB" dirty="0"/>
           </a:p>
         </p:txBody>
       </p:sp>
@@ -1865,7 +1865,7 @@
               <a:rPr lang="en-GB" smtClean="0"/>
               <a:t>‹#›</a:t>
             </a:fld>
-            <a:endParaRPr lang="en-GB"/>
+            <a:endParaRPr lang="en-GB" dirty="0"/>
           </a:p>
         </p:txBody>
       </p:sp>
@@ -2100,7 +2100,7 @@
               <a:rPr lang="en-GB" smtClean="0"/>
               <a:t>11/06/2017</a:t>
             </a:fld>
-            <a:endParaRPr lang="en-GB"/>
+            <a:endParaRPr lang="en-GB" dirty="0"/>
           </a:p>
         </p:txBody>
       </p:sp>
@@ -2119,7 +2119,7 @@
           <a:bodyPr/>
           <a:lstStyle/>
           <a:p>
-            <a:endParaRPr lang="en-GB"/>
+            <a:endParaRPr lang="en-GB" dirty="0"/>
           </a:p>
         </p:txBody>
       </p:sp>
@@ -2142,7 +2142,7 @@
               <a:rPr lang="en-GB" smtClean="0"/>
               <a:t>‹#›</a:t>
             </a:fld>
-            <a:endParaRPr lang="en-GB"/>
+            <a:endParaRPr lang="en-GB" dirty="0"/>
           </a:p>
         </p:txBody>
       </p:sp>
@@ -2265,7 +2265,7 @@
             </a:lvl9pPr>
           </a:lstStyle>
           <a:p>
-            <a:endParaRPr lang="en-GB"/>
+            <a:endParaRPr lang="en-GB" dirty="0"/>
           </a:p>
         </p:txBody>
       </p:sp>
@@ -2353,7 +2353,7 @@
               <a:rPr lang="en-GB" smtClean="0"/>
               <a:t>11/06/2017</a:t>
             </a:fld>
-            <a:endParaRPr lang="en-GB"/>
+            <a:endParaRPr lang="en-GB" dirty="0"/>
           </a:p>
         </p:txBody>
       </p:sp>
@@ -2372,7 +2372,7 @@
           <a:bodyPr/>
           <a:lstStyle/>
           <a:p>
-            <a:endParaRPr lang="en-GB"/>
+            <a:endParaRPr lang="en-GB" dirty="0"/>
           </a:p>
         </p:txBody>
       </p:sp>
@@ -2395,7 +2395,7 @@
               <a:rPr lang="en-GB" smtClean="0"/>
               <a:t>‹#›</a:t>
             </a:fld>
-            <a:endParaRPr lang="en-GB"/>
+            <a:endParaRPr lang="en-GB" dirty="0"/>
           </a:p>
         </p:txBody>
       </p:sp>
@@ -2566,7 +2566,7 @@
               <a:rPr lang="en-GB" smtClean="0"/>
               <a:t>11/06/2017</a:t>
             </a:fld>
-            <a:endParaRPr lang="en-GB"/>
+            <a:endParaRPr lang="en-GB" dirty="0"/>
           </a:p>
         </p:txBody>
       </p:sp>
@@ -2603,7 +2603,7 @@
             </a:lvl1pPr>
           </a:lstStyle>
           <a:p>
-            <a:endParaRPr lang="en-GB"/>
+            <a:endParaRPr lang="en-GB" dirty="0"/>
           </a:p>
         </p:txBody>
       </p:sp>
@@ -2644,7 +2644,7 @@
               <a:rPr lang="en-GB" smtClean="0"/>
               <a:t>‹#›</a:t>
             </a:fld>
-            <a:endParaRPr lang="en-GB"/>
+            <a:endParaRPr lang="en-GB" dirty="0"/>
           </a:p>
         </p:txBody>
       </p:sp>
@@ -2977,7 +2977,7 @@
         </p:nvSpPr>
         <p:spPr>
           <a:xfrm>
-            <a:off x="1117000" y="781565"/>
+            <a:off x="2784688" y="741036"/>
             <a:ext cx="778476" cy="923330"/>
           </a:xfrm>
           <a:prstGeom prst="rect">
@@ -3022,7 +3022,7 @@
             </p:nvSpPr>
             <p:spPr>
               <a:xfrm>
-                <a:off x="456736" y="865832"/>
+                <a:off x="2144294" y="790802"/>
                 <a:ext cx="627017" cy="369332"/>
               </a:xfrm>
               <a:prstGeom prst="rect">
@@ -3086,7 +3086,7 @@
             </p:nvSpPr>
             <p:spPr>
               <a:xfrm>
-                <a:off x="456736" y="865832"/>
+                <a:off x="2144294" y="790802"/>
                 <a:ext cx="627017" cy="369332"/>
               </a:xfrm>
               <a:prstGeom prst="rect">
@@ -3095,7 +3095,7 @@
               <a:blipFill rotWithShape="0">
                 <a:blip r:embed="rId2"/>
                 <a:stretch>
-                  <a:fillRect r="-5825" b="-13115"/>
+                  <a:fillRect r="-5825" b="-13333"/>
                 </a:stretch>
               </a:blipFill>
             </p:spPr>
@@ -3124,7 +3124,7 @@
         </p:nvCxnSpPr>
         <p:spPr>
           <a:xfrm>
-            <a:off x="489983" y="1243230"/>
+            <a:off x="2157671" y="1202701"/>
             <a:ext cx="627017" cy="0"/>
           </a:xfrm>
           <a:prstGeom prst="straightConnector1">
@@ -3162,7 +3162,7 @@
             </p:nvSpPr>
             <p:spPr>
               <a:xfrm>
-                <a:off x="2125537" y="633255"/>
+                <a:off x="3720586" y="648333"/>
                 <a:ext cx="837201" cy="369332"/>
               </a:xfrm>
               <a:prstGeom prst="rect">
@@ -3241,7 +3241,7 @@
             </p:nvSpPr>
             <p:spPr>
               <a:xfrm>
-                <a:off x="2125537" y="633255"/>
+                <a:off x="3720586" y="648333"/>
                 <a:ext cx="837201" cy="369332"/>
               </a:xfrm>
               <a:prstGeom prst="rect">
@@ -3250,7 +3250,7 @@
               <a:blipFill rotWithShape="0">
                 <a:blip r:embed="rId3"/>
                 <a:stretch>
-                  <a:fillRect r="-7299" b="-13333"/>
+                  <a:fillRect r="-6522" b="-13115"/>
                 </a:stretch>
               </a:blipFill>
             </p:spPr>
@@ -3279,7 +3279,7 @@
             </p:nvSpPr>
             <p:spPr>
               <a:xfrm>
-                <a:off x="1888943" y="1528148"/>
+                <a:off x="3765865" y="1451944"/>
                 <a:ext cx="937349" cy="369332"/>
               </a:xfrm>
               <a:prstGeom prst="rect">
@@ -3361,7 +3361,7 @@
             </p:nvSpPr>
             <p:spPr>
               <a:xfrm>
-                <a:off x="1888943" y="1528148"/>
+                <a:off x="3765865" y="1451944"/>
                 <a:ext cx="937349" cy="369332"/>
               </a:xfrm>
               <a:prstGeom prst="rect">
@@ -3370,7 +3370,7 @@
               <a:blipFill rotWithShape="0">
                 <a:blip r:embed="rId4"/>
                 <a:stretch>
-                  <a:fillRect l="-1948" r="-10390" b="-13333"/>
+                  <a:fillRect l="-1948" r="-10390" b="-13115"/>
                 </a:stretch>
               </a:blipFill>
             </p:spPr>
@@ -3397,79 +3397,8 @@
         </p:nvCxnSpPr>
         <p:spPr>
           <a:xfrm>
-            <a:off x="1895475" y="1016863"/>
-            <a:ext cx="8611200" cy="873"/>
-          </a:xfrm>
-          <a:prstGeom prst="straightConnector1">
-            <a:avLst/>
-          </a:prstGeom>
-          <a:ln>
-            <a:solidFill>
-              <a:schemeClr val="tx1"/>
-            </a:solidFill>
-            <a:tailEnd type="triangle"/>
-          </a:ln>
-        </p:spPr>
-        <p:style>
-          <a:lnRef idx="1">
-            <a:schemeClr val="accent1"/>
-          </a:lnRef>
-          <a:fillRef idx="0">
-            <a:schemeClr val="accent1"/>
-          </a:fillRef>
-          <a:effectRef idx="0">
-            <a:schemeClr val="accent1"/>
-          </a:effectRef>
-          <a:fontRef idx="minor">
-            <a:schemeClr val="tx1"/>
-          </a:fontRef>
-        </p:style>
-      </p:cxnSp>
-      <p:sp>
-        <p:nvSpPr>
-          <p:cNvPr id="21" name="TextBox 20"/>
-          <p:cNvSpPr txBox="1"/>
-          <p:nvPr/>
-        </p:nvSpPr>
-        <p:spPr>
-          <a:xfrm>
-            <a:off x="2872010" y="1696269"/>
-            <a:ext cx="875212" cy="369332"/>
-          </a:xfrm>
-          <a:prstGeom prst="rect">
-            <a:avLst/>
-          </a:prstGeom>
-          <a:noFill/>
-          <a:ln>
-            <a:solidFill>
-              <a:schemeClr val="tx1"/>
-            </a:solidFill>
-          </a:ln>
-        </p:spPr>
-        <p:txBody>
-          <a:bodyPr wrap="square" rtlCol="0">
-            <a:spAutoFit/>
-          </a:bodyPr>
-          <a:lstStyle/>
-          <a:p>
-            <a:pPr algn="ctr"/>
-            <a:r>
-              <a:rPr lang="en-GB" dirty="0" smtClean="0"/>
-              <a:t>MMSE</a:t>
-            </a:r>
-          </a:p>
-        </p:txBody>
-      </p:sp>
-      <p:cxnSp>
-        <p:nvCxnSpPr>
-          <p:cNvPr id="25" name="Straight Arrow Connector 24"/>
-          <p:cNvCxnSpPr/>
-          <p:nvPr/>
-        </p:nvCxnSpPr>
-        <p:spPr>
-          <a:xfrm>
-            <a:off x="1506238" y="1880935"/>
-            <a:ext cx="1365774" cy="0"/>
+            <a:off x="3569852" y="1013333"/>
+            <a:ext cx="6936823" cy="0"/>
           </a:xfrm>
           <a:prstGeom prst="straightConnector1">
             <a:avLst/>
@@ -3504,8 +3433,8 @@
         </p:nvCxnSpPr>
         <p:spPr>
           <a:xfrm>
-            <a:off x="3757019" y="1850339"/>
-            <a:ext cx="2721600" cy="0"/>
+            <a:off x="3173926" y="1846939"/>
+            <a:ext cx="3304693" cy="0"/>
           </a:xfrm>
           <a:prstGeom prst="straightConnector1">
             <a:avLst/>
@@ -3532,126 +3461,6 @@
           </a:fontRef>
         </p:style>
       </p:cxnSp>
-      <mc:AlternateContent xmlns:mc="http://schemas.openxmlformats.org/markup-compatibility/2006" xmlns:a14="http://schemas.microsoft.com/office/drawing/2010/main">
-        <mc:Choice Requires="a14">
-          <p:sp>
-            <p:nvSpPr>
-              <p:cNvPr id="28" name="TextBox 27"/>
-              <p:cNvSpPr txBox="1"/>
-              <p:nvPr/>
-            </p:nvSpPr>
-            <p:spPr>
-              <a:xfrm>
-                <a:off x="3766813" y="1487147"/>
-                <a:ext cx="937349" cy="369332"/>
-              </a:xfrm>
-              <a:prstGeom prst="rect">
-                <a:avLst/>
-              </a:prstGeom>
-              <a:noFill/>
-            </p:spPr>
-            <p:txBody>
-              <a:bodyPr wrap="square" rtlCol="0">
-                <a:spAutoFit/>
-              </a:bodyPr>
-              <a:lstStyle/>
-              <a:p>
-                <a:pPr/>
-                <a14:m>
-                  <m:oMathPara xmlns:m="http://schemas.openxmlformats.org/officeDocument/2006/math">
-                    <m:oMathParaPr>
-                      <m:jc m:val="centerGroup"/>
-                    </m:oMathParaPr>
-                    <m:oMath xmlns:m="http://schemas.openxmlformats.org/officeDocument/2006/math">
-                      <m:r>
-                        <a:rPr lang="en-GB" i="1" dirty="0" smtClean="0">
-                          <a:latin typeface="Cambria Math" panose="02040503050406030204" pitchFamily="18" charset="0"/>
-                        </a:rPr>
-                        <m:t>|</m:t>
-                      </m:r>
-                      <m:r>
-                        <a:rPr lang="en-GB" i="1" dirty="0" smtClean="0">
-                          <a:latin typeface="Cambria Math" panose="02040503050406030204" pitchFamily="18" charset="0"/>
-                        </a:rPr>
-                        <m:t>𝑍</m:t>
-                      </m:r>
-                      <m:r>
-                        <a:rPr lang="en-GB" i="1" dirty="0" smtClean="0">
-                          <a:latin typeface="Cambria Math" panose="02040503050406030204" pitchFamily="18" charset="0"/>
-                        </a:rPr>
-                        <m:t>(</m:t>
-                      </m:r>
-                      <m:r>
-                        <a:rPr lang="en-GB" i="1" dirty="0" err="1" smtClean="0">
-                          <a:latin typeface="Cambria Math" panose="02040503050406030204" pitchFamily="18" charset="0"/>
-                        </a:rPr>
-                        <m:t>𝑛</m:t>
-                      </m:r>
-                      <m:r>
-                        <a:rPr lang="en-GB" i="1" dirty="0" err="1" smtClean="0">
-                          <a:latin typeface="Cambria Math" panose="02040503050406030204" pitchFamily="18" charset="0"/>
-                        </a:rPr>
-                        <m:t>,</m:t>
-                      </m:r>
-                      <m:r>
-                        <a:rPr lang="en-GB" i="1" dirty="0" err="1" smtClean="0">
-                          <a:latin typeface="Cambria Math" panose="02040503050406030204" pitchFamily="18" charset="0"/>
-                        </a:rPr>
-                        <m:t>𝑘</m:t>
-                      </m:r>
-                      <m:r>
-                        <a:rPr lang="en-GB" i="1" dirty="0" smtClean="0">
-                          <a:latin typeface="Cambria Math" panose="02040503050406030204" pitchFamily="18" charset="0"/>
-                        </a:rPr>
-                        <m:t>)|</m:t>
-                      </m:r>
-                    </m:oMath>
-                  </m:oMathPara>
-                </a14:m>
-                <a:endParaRPr lang="en-GB" dirty="0"/>
-              </a:p>
-            </p:txBody>
-          </p:sp>
-        </mc:Choice>
-        <mc:Fallback xmlns="">
-          <p:sp>
-            <p:nvSpPr>
-              <p:cNvPr id="28" name="TextBox 27"/>
-              <p:cNvSpPr txBox="1">
-                <a:spLocks noRot="1" noChangeAspect="1" noMove="1" noResize="1" noEditPoints="1" noAdjustHandles="1" noChangeArrowheads="1" noChangeShapeType="1" noTextEdit="1"/>
-              </p:cNvSpPr>
-              <p:nvPr/>
-            </p:nvSpPr>
-            <p:spPr>
-              <a:xfrm>
-                <a:off x="3766813" y="1487147"/>
-                <a:ext cx="937349" cy="369332"/>
-              </a:xfrm>
-              <a:prstGeom prst="rect">
-                <a:avLst/>
-              </a:prstGeom>
-              <a:blipFill rotWithShape="0">
-                <a:blip r:embed="rId5"/>
-                <a:stretch>
-                  <a:fillRect l="-1948" r="-10390" b="-11475"/>
-                </a:stretch>
-              </a:blipFill>
-            </p:spPr>
-            <p:txBody>
-              <a:bodyPr/>
-              <a:lstStyle/>
-              <a:p>
-                <a:r>
-                  <a:rPr lang="en-GB">
-                    <a:noFill/>
-                  </a:rPr>
-                  <a:t> </a:t>
-                </a:r>
-              </a:p>
-            </p:txBody>
-          </p:sp>
-        </mc:Fallback>
-      </mc:AlternateContent>
       <p:cxnSp>
         <p:nvCxnSpPr>
           <p:cNvPr id="37" name="Straight Arrow Connector 36"/>
@@ -3732,7 +3541,7 @@
         </p:nvCxnSpPr>
         <p:spPr>
           <a:xfrm>
-            <a:off x="3943747" y="4353630"/>
+            <a:off x="3951260" y="4428774"/>
             <a:ext cx="804851" cy="1"/>
           </a:xfrm>
           <a:prstGeom prst="straightConnector1">
@@ -3768,7 +3577,7 @@
         </p:nvSpPr>
         <p:spPr>
           <a:xfrm>
-            <a:off x="4748598" y="4017402"/>
+            <a:off x="4748598" y="3912898"/>
             <a:ext cx="2247591" cy="646331"/>
           </a:xfrm>
           <a:prstGeom prst="rect">
@@ -3813,7 +3622,7 @@
         <p:spPr>
           <a:xfrm>
             <a:off x="3943747" y="1850339"/>
-            <a:ext cx="0" cy="2496578"/>
+            <a:ext cx="0" cy="1463829"/>
           </a:xfrm>
           <a:prstGeom prst="line">
             <a:avLst/>
@@ -3997,9 +3806,9 @@
           <p:nvPr/>
         </p:nvCxnSpPr>
         <p:spPr>
-          <a:xfrm flipH="1" flipV="1">
-            <a:off x="7561022" y="2694865"/>
-            <a:ext cx="636" cy="1658402"/>
+          <a:xfrm flipV="1">
+            <a:off x="7560183" y="2694865"/>
+            <a:ext cx="839" cy="1449394"/>
           </a:xfrm>
           <a:prstGeom prst="straightConnector1">
             <a:avLst/>
@@ -4036,7 +3845,7 @@
             </p:nvSpPr>
             <p:spPr>
               <a:xfrm>
-                <a:off x="7560182" y="3598006"/>
+                <a:off x="7509715" y="3401792"/>
                 <a:ext cx="763177" cy="369332"/>
               </a:xfrm>
               <a:prstGeom prst="rect">
@@ -4100,14 +3909,14 @@
             </p:nvSpPr>
             <p:spPr>
               <a:xfrm>
-                <a:off x="7560182" y="3598006"/>
+                <a:off x="7509715" y="3401792"/>
                 <a:ext cx="763177" cy="369332"/>
               </a:xfrm>
               <a:prstGeom prst="rect">
                 <a:avLst/>
               </a:prstGeom>
               <a:blipFill rotWithShape="0">
-                <a:blip r:embed="rId6"/>
+                <a:blip r:embed="rId5"/>
                 <a:stretch>
                   <a:fillRect b="-13115"/>
                 </a:stretch>
@@ -4138,7 +3947,7 @@
             </p:nvSpPr>
             <p:spPr>
               <a:xfrm>
-                <a:off x="7560183" y="3915747"/>
+                <a:off x="7560183" y="3706739"/>
                 <a:ext cx="763177" cy="422552"/>
               </a:xfrm>
               <a:prstGeom prst="rect">
@@ -4230,16 +4039,16 @@
             </p:nvSpPr>
             <p:spPr>
               <a:xfrm>
-                <a:off x="7560183" y="3915747"/>
+                <a:off x="7560183" y="3706739"/>
                 <a:ext cx="763177" cy="422552"/>
               </a:xfrm>
               <a:prstGeom prst="rect">
                 <a:avLst/>
               </a:prstGeom>
               <a:blipFill rotWithShape="0">
-                <a:blip r:embed="rId7"/>
+                <a:blip r:embed="rId6"/>
                 <a:stretch>
-                  <a:fillRect b="-7143"/>
+                  <a:fillRect b="-8696"/>
                 </a:stretch>
               </a:blipFill>
             </p:spPr>
@@ -5305,7 +5114,7 @@
         <p:spPr>
           <a:xfrm>
             <a:off x="7967241" y="1702355"/>
-            <a:ext cx="1080000" cy="0"/>
+            <a:ext cx="1076400" cy="0"/>
           </a:xfrm>
           <a:prstGeom prst="line">
             <a:avLst/>
@@ -5338,9 +5147,9 @@
           <p:nvPr/>
         </p:nvCxnSpPr>
         <p:spPr>
-          <a:xfrm>
-            <a:off x="9044404" y="1696269"/>
-            <a:ext cx="2" cy="248166"/>
+          <a:xfrm flipH="1">
+            <a:off x="9044406" y="1702355"/>
+            <a:ext cx="0" cy="242080"/>
           </a:xfrm>
           <a:prstGeom prst="straightConnector1">
             <a:avLst/>
@@ -5370,13 +5179,15 @@
       <p:cxnSp>
         <p:nvCxnSpPr>
           <p:cNvPr id="131" name="Straight Connector 130"/>
-          <p:cNvCxnSpPr/>
+          <p:cNvCxnSpPr>
+            <a:endCxn id="5" idx="2"/>
+          </p:cNvCxnSpPr>
           <p:nvPr/>
         </p:nvCxnSpPr>
         <p:spPr>
           <a:xfrm flipV="1">
-            <a:off x="1506238" y="1717595"/>
-            <a:ext cx="0" cy="157418"/>
+            <a:off x="3171942" y="1664366"/>
+            <a:ext cx="0" cy="182573"/>
           </a:xfrm>
           <a:prstGeom prst="line">
             <a:avLst/>
@@ -5639,7 +5450,7 @@
         </p:nvSpPr>
         <p:spPr>
           <a:xfrm>
-            <a:off x="3569852" y="4444377"/>
+            <a:off x="3569852" y="3749920"/>
             <a:ext cx="665635" cy="430887"/>
           </a:xfrm>
           <a:prstGeom prst="rect">
@@ -5674,7 +5485,7 @@
         </p:nvCxnSpPr>
         <p:spPr>
           <a:xfrm flipH="1">
-            <a:off x="6999229" y="4353267"/>
+            <a:off x="6999229" y="4144259"/>
             <a:ext cx="561600" cy="0"/>
           </a:xfrm>
           <a:prstGeom prst="line">
@@ -5709,7 +5520,7 @@
         </p:nvCxnSpPr>
         <p:spPr>
           <a:xfrm flipV="1">
-            <a:off x="4234540" y="4591067"/>
+            <a:off x="4234540" y="4048424"/>
             <a:ext cx="514800" cy="0"/>
           </a:xfrm>
           <a:prstGeom prst="straightConnector1">
@@ -5740,15 +5551,13 @@
       <p:cxnSp>
         <p:nvCxnSpPr>
           <p:cNvPr id="34" name="Straight Connector 33"/>
-          <p:cNvCxnSpPr>
-            <a:stCxn id="6" idx="2"/>
-          </p:cNvCxnSpPr>
+          <p:cNvCxnSpPr/>
           <p:nvPr/>
         </p:nvCxnSpPr>
         <p:spPr>
           <a:xfrm>
-            <a:off x="770245" y="1235164"/>
-            <a:ext cx="0" cy="3375228"/>
+            <a:off x="2496841" y="1209038"/>
+            <a:ext cx="0" cy="2839386"/>
           </a:xfrm>
           <a:prstGeom prst="line">
             <a:avLst/>
@@ -5782,8 +5591,8 @@
         </p:nvCxnSpPr>
         <p:spPr>
           <a:xfrm>
-            <a:off x="770244" y="4617193"/>
-            <a:ext cx="2799608" cy="0"/>
+            <a:off x="2496841" y="4048424"/>
+            <a:ext cx="1073011" cy="0"/>
           </a:xfrm>
           <a:prstGeom prst="straightConnector1">
             <a:avLst/>
@@ -5810,6 +5619,108 @@
           </a:fontRef>
         </p:style>
       </p:cxnSp>
+      <mc:AlternateContent xmlns:mc="http://schemas.openxmlformats.org/markup-compatibility/2006" xmlns:a14="http://schemas.microsoft.com/office/drawing/2010/main">
+        <mc:Choice Requires="a14">
+          <p:sp>
+            <p:nvSpPr>
+              <p:cNvPr id="49" name="TextBox 48"/>
+              <p:cNvSpPr txBox="1"/>
+              <p:nvPr/>
+            </p:nvSpPr>
+            <p:spPr>
+              <a:xfrm>
+                <a:off x="3368982" y="4238616"/>
+                <a:ext cx="627017" cy="369332"/>
+              </a:xfrm>
+              <a:prstGeom prst="rect">
+                <a:avLst/>
+              </a:prstGeom>
+              <a:noFill/>
+            </p:spPr>
+            <p:txBody>
+              <a:bodyPr wrap="square" rtlCol="0">
+                <a:spAutoFit/>
+              </a:bodyPr>
+              <a:lstStyle/>
+              <a:p>
+                <a:pPr/>
+                <a14:m>
+                  <m:oMathPara xmlns:m="http://schemas.openxmlformats.org/officeDocument/2006/math">
+                    <m:oMathParaPr>
+                      <m:jc m:val="centerGroup"/>
+                    </m:oMathParaPr>
+                    <m:oMath xmlns:m="http://schemas.openxmlformats.org/officeDocument/2006/math">
+                      <m:r>
+                        <a:rPr lang="en-GB" b="0" i="1" dirty="0" smtClean="0">
+                          <a:latin typeface="Cambria Math" panose="02040503050406030204" pitchFamily="18" charset="0"/>
+                        </a:rPr>
+                        <m:t>𝑠</m:t>
+                      </m:r>
+                      <m:r>
+                        <a:rPr lang="en-GB" i="1" dirty="0" smtClean="0">
+                          <a:latin typeface="Cambria Math" panose="02040503050406030204" pitchFamily="18" charset="0"/>
+                        </a:rPr>
+                        <m:t>(</m:t>
+                      </m:r>
+                      <m:r>
+                        <a:rPr lang="en-GB" i="1" dirty="0" smtClean="0">
+                          <a:latin typeface="Cambria Math" panose="02040503050406030204" pitchFamily="18" charset="0"/>
+                        </a:rPr>
+                        <m:t>𝑛</m:t>
+                      </m:r>
+                      <m:r>
+                        <a:rPr lang="en-GB" i="1" dirty="0" smtClean="0">
+                          <a:latin typeface="Cambria Math" panose="02040503050406030204" pitchFamily="18" charset="0"/>
+                        </a:rPr>
+                        <m:t>)</m:t>
+                      </m:r>
+                    </m:oMath>
+                  </m:oMathPara>
+                </a14:m>
+                <a:endParaRPr lang="en-GB" i="1" dirty="0"/>
+              </a:p>
+            </p:txBody>
+          </p:sp>
+        </mc:Choice>
+        <mc:Fallback xmlns="">
+          <p:sp>
+            <p:nvSpPr>
+              <p:cNvPr id="49" name="TextBox 48"/>
+              <p:cNvSpPr txBox="1">
+                <a:spLocks noRot="1" noChangeAspect="1" noMove="1" noResize="1" noEditPoints="1" noAdjustHandles="1" noChangeArrowheads="1" noChangeShapeType="1" noTextEdit="1"/>
+              </p:cNvSpPr>
+              <p:nvPr/>
+            </p:nvSpPr>
+            <p:spPr>
+              <a:xfrm>
+                <a:off x="3368982" y="4238616"/>
+                <a:ext cx="627017" cy="369332"/>
+              </a:xfrm>
+              <a:prstGeom prst="rect">
+                <a:avLst/>
+              </a:prstGeom>
+              <a:blipFill rotWithShape="0">
+                <a:blip r:embed="rId15"/>
+                <a:stretch>
+                  <a:fillRect r="-2913" b="-13115"/>
+                </a:stretch>
+              </a:blipFill>
+            </p:spPr>
+            <p:txBody>
+              <a:bodyPr/>
+              <a:lstStyle/>
+              <a:p>
+                <a:r>
+                  <a:rPr lang="en-GB">
+                    <a:noFill/>
+                  </a:rPr>
+                  <a:t> </a:t>
+                </a:r>
+              </a:p>
+            </p:txBody>
+          </p:sp>
+        </mc:Fallback>
+      </mc:AlternateContent>
     </p:spTree>
     <p:extLst>
       <p:ext uri="{BB962C8B-B14F-4D97-AF65-F5344CB8AC3E}">
